--- a/module_4/Flight_Unit_4.pptx
+++ b/module_4/Flight_Unit_4.pptx
@@ -122,7 +122,7 @@
   </p:defaultTextStyle>
   <p:extLst>
     <p:ext uri="{EFAFB233-063F-42B5-8137-9DF3F51BA10A}">
-      <p15:sldGuideLst xmlns:p15="http://schemas.microsoft.com/office/powerpoint/2012/main" xmlns="">
+      <p15:sldGuideLst xmlns="" xmlns:p15="http://schemas.microsoft.com/office/powerpoint/2012/main">
         <p15:guide id="1" orient="horz" pos="1620">
           <p15:clr>
             <a:srgbClr val="A4A3A4"/>
@@ -225,7 +225,7 @@
           <a:p>
             <a:fld id="{C8D18E60-4300-4729-A0D7-6AB984C3922D}" type="datetimeFigureOut">
               <a:rPr lang="en-US" smtClean="0"/>
-              <a:t>6/23/2021</a:t>
+              <a:t>6/24/2021</a:t>
             </a:fld>
             <a:endParaRPr lang="en-US"/>
           </a:p>
@@ -877,7 +877,23 @@
             </a:r>
             <a:r>
               <a:rPr lang="ru-RU" baseline="0" dirty="0" smtClean="0"/>
-              <a:t> были определены 66 рейсов, которые доставляли только одни убытки. От них я предлагаю отказаться, и тогда средняя прибыль на оставшихся рейсах составит около 90 тысяч рублей. Немного, но время тяжёлое, приходится так поступать..</a:t>
+              <a:t> были определены </a:t>
+            </a:r>
+            <a:r>
+              <a:rPr lang="ru-RU" baseline="0" dirty="0" smtClean="0"/>
+              <a:t>6</a:t>
+            </a:r>
+            <a:r>
+              <a:rPr lang="en-US" baseline="0" dirty="0" smtClean="0"/>
+              <a:t>5</a:t>
+            </a:r>
+            <a:r>
+              <a:rPr lang="ru-RU" baseline="0" dirty="0" smtClean="0"/>
+              <a:t> </a:t>
+            </a:r>
+            <a:r>
+              <a:rPr lang="ru-RU" baseline="0" dirty="0" smtClean="0"/>
+              <a:t>рейсов, которые доставляли только одни убытки. От них я предлагаю отказаться, и тогда средняя прибыль на оставшихся рейсах составит около 90 тысяч рублей. Немного, но время тяжёлое, приходится так поступать..</a:t>
             </a:r>
             <a:endParaRPr lang="ru-RU" dirty="0"/>
           </a:p>
@@ -2200,7 +2216,7 @@
           <a:p>
             <a:fld id="{4D06B559-944D-4831-A7F0-9D356E60AC78}" type="datetime1">
               <a:rPr lang="en-US" smtClean="0"/>
-              <a:t>6/23/2021</a:t>
+              <a:t>6/24/2021</a:t>
             </a:fld>
             <a:endParaRPr lang="en-US"/>
           </a:p>
@@ -2453,7 +2469,7 @@
           <a:p>
             <a:fld id="{8215E760-A8C1-419A-8860-DBB6E3CA6CA1}" type="datetime1">
               <a:rPr lang="en-US" smtClean="0"/>
-              <a:t>6/23/2021</a:t>
+              <a:t>6/24/2021</a:t>
             </a:fld>
             <a:endParaRPr lang="en-US"/>
           </a:p>
@@ -2622,7 +2638,7 @@
           <a:p>
             <a:fld id="{3C1F29EF-30F8-4072-9037-A8AB0220D1D8}" type="datetime1">
               <a:rPr lang="en-US" smtClean="0"/>
-              <a:t>6/23/2021</a:t>
+              <a:t>6/24/2021</a:t>
             </a:fld>
             <a:endParaRPr lang="en-US"/>
           </a:p>
@@ -2801,7 +2817,7 @@
           <a:p>
             <a:fld id="{B1BAEE66-62F0-4562-ACFC-4E90D2C85D5D}" type="datetime1">
               <a:rPr lang="en-US" smtClean="0"/>
-              <a:t>6/23/2021</a:t>
+              <a:t>6/24/2021</a:t>
             </a:fld>
             <a:endParaRPr lang="en-US"/>
           </a:p>
@@ -2855,7 +2871,7 @@
           <p:cNvPr id="7" name="Picture 6" descr="E:\websites\free-power-point-templates\2012\logos.png">
             <a:extLst>
               <a:ext uri="{FF2B5EF4-FFF2-40B4-BE49-F238E27FC236}">
-                <a16:creationId xmlns:a16="http://schemas.microsoft.com/office/drawing/2014/main" xmlns="" id="{08B89D22-1D6E-450B-881F-4D2A4C527F72}"/>
+                <a16:creationId xmlns="" xmlns:a16="http://schemas.microsoft.com/office/drawing/2014/main" id="{08B89D22-1D6E-450B-881F-4D2A4C527F72}"/>
               </a:ext>
             </a:extLst>
           </p:cNvPr>
@@ -3082,7 +3098,7 @@
           <a:p>
             <a:fld id="{02D62699-9365-47C5-AE9E-51C5610CD191}" type="datetime1">
               <a:rPr lang="en-US" smtClean="0"/>
-              <a:t>6/23/2021</a:t>
+              <a:t>6/24/2021</a:t>
             </a:fld>
             <a:endParaRPr lang="en-US"/>
           </a:p>
@@ -3331,7 +3347,7 @@
           <a:p>
             <a:fld id="{7C7EEFD6-173F-429F-89C1-836C8D6E6CE2}" type="datetime1">
               <a:rPr lang="en-US" smtClean="0"/>
-              <a:t>6/23/2021</a:t>
+              <a:t>6/24/2021</a:t>
             </a:fld>
             <a:endParaRPr lang="en-US"/>
           </a:p>
@@ -3577,7 +3593,7 @@
           <a:p>
             <a:fld id="{381CD7E0-FF4C-47F9-AC8B-7CB50E236196}" type="datetime1">
               <a:rPr lang="en-US" smtClean="0"/>
-              <a:t>6/23/2021</a:t>
+              <a:t>6/24/2021</a:t>
             </a:fld>
             <a:endParaRPr lang="en-US"/>
           </a:p>
@@ -3863,7 +3879,7 @@
           <a:p>
             <a:fld id="{2ED5AF83-B65E-4E6B-A3EC-F4B0E0DC11E1}" type="datetime1">
               <a:rPr lang="en-US" smtClean="0"/>
-              <a:t>6/23/2021</a:t>
+              <a:t>6/24/2021</a:t>
             </a:fld>
             <a:endParaRPr lang="en-US"/>
           </a:p>
@@ -4349,7 +4365,7 @@
           <a:p>
             <a:fld id="{927009AB-74DA-4723-9B17-E8888D51FEE4}" type="datetime1">
               <a:rPr lang="en-US" smtClean="0"/>
-              <a:t>6/23/2021</a:t>
+              <a:t>6/24/2021</a:t>
             </a:fld>
             <a:endParaRPr lang="en-US"/>
           </a:p>
@@ -4467,7 +4483,7 @@
           <a:p>
             <a:fld id="{E9088FF6-0A34-47E0-AE6E-0EFB593722C7}" type="datetime1">
               <a:rPr lang="en-US" smtClean="0"/>
-              <a:t>6/23/2021</a:t>
+              <a:t>6/24/2021</a:t>
             </a:fld>
             <a:endParaRPr lang="en-US"/>
           </a:p>
@@ -4563,7 +4579,7 @@
           <a:p>
             <a:fld id="{3E58CFBE-89B6-4EC8-AC0D-895C00E77BDC}" type="datetime1">
               <a:rPr lang="en-US" smtClean="0"/>
-              <a:t>6/23/2021</a:t>
+              <a:t>6/24/2021</a:t>
             </a:fld>
             <a:endParaRPr lang="en-US"/>
           </a:p>
@@ -4839,7 +4855,7 @@
           <a:p>
             <a:fld id="{18C8BCAB-B18B-490E-8359-331422555D13}" type="datetime1">
               <a:rPr lang="en-US" smtClean="0"/>
-              <a:t>6/23/2021</a:t>
+              <a:t>6/24/2021</a:t>
             </a:fld>
             <a:endParaRPr lang="en-US"/>
           </a:p>
@@ -5060,7 +5076,7 @@
           <a:p>
             <a:fld id="{E1FA1320-B3BD-4FAF-A2D6-47F489A70632}" type="datetime1">
               <a:rPr lang="en-US" smtClean="0"/>
-              <a:t>6/23/2021</a:t>
+              <a:t>6/24/2021</a:t>
             </a:fld>
             <a:endParaRPr lang="en-US"/>
           </a:p>
@@ -5150,7 +5166,7 @@
           <p:cNvPr id="7" name="TextBox 6">
             <a:extLst>
               <a:ext uri="{FF2B5EF4-FFF2-40B4-BE49-F238E27FC236}">
-                <a16:creationId xmlns:a16="http://schemas.microsoft.com/office/drawing/2014/main" xmlns="" id="{11E867DF-3DCA-4725-94F0-F2B6BD747A82}"/>
+                <a16:creationId xmlns="" xmlns:a16="http://schemas.microsoft.com/office/drawing/2014/main" id="{11E867DF-3DCA-4725-94F0-F2B6BD747A82}"/>
               </a:ext>
             </a:extLst>
           </p:cNvPr>
@@ -6025,7 +6041,31 @@
                   <a:schemeClr val="accent2"/>
                 </a:solidFill>
               </a:rPr>
-              <a:t>66 рейсов закрыть</a:t>
+              <a:t>6</a:t>
+            </a:r>
+            <a:r>
+              <a:rPr lang="en-US" dirty="0" smtClean="0">
+                <a:solidFill>
+                  <a:schemeClr val="accent2"/>
+                </a:solidFill>
+              </a:rPr>
+              <a:t>5</a:t>
+            </a:r>
+            <a:r>
+              <a:rPr lang="ru-RU" dirty="0" smtClean="0">
+                <a:solidFill>
+                  <a:schemeClr val="accent2"/>
+                </a:solidFill>
+              </a:rPr>
+              <a:t> </a:t>
+            </a:r>
+            <a:r>
+              <a:rPr lang="ru-RU" dirty="0" smtClean="0">
+                <a:solidFill>
+                  <a:schemeClr val="accent2"/>
+                </a:solidFill>
+              </a:rPr>
+              <a:t>рейсов закрыть</a:t>
             </a:r>
             <a:endParaRPr lang="ru-RU" dirty="0">
               <a:solidFill>
@@ -7420,21 +7460,8 @@
             <a:pPr algn="l"/>
             <a:r>
               <a:rPr lang="ru-RU" dirty="0" smtClean="0"/>
-              <a:t>Длительность полёта </a:t>
-            </a:r>
-            <a:r>
-              <a:rPr lang="ru-RU" dirty="0" smtClean="0"/>
-              <a:t>, м</a:t>
-            </a:r>
-            <a:r>
-              <a:rPr lang="ru-RU" dirty="0" smtClean="0"/>
-              <a:t>ин.</a:t>
-            </a:r>
-            <a:r>
-              <a:rPr lang="ru-RU" dirty="0" smtClean="0"/>
-              <a:t>;</a:t>
-            </a:r>
-            <a:endParaRPr lang="ru-RU" dirty="0" smtClean="0"/>
+              <a:t>Длительность полёта , мин.;</a:t>
+            </a:r>
           </a:p>
           <a:p>
             <a:pPr algn="l"/>
@@ -9090,7 +9117,7 @@
   <a:extraClrSchemeLst/>
   <a:extLst>
     <a:ext uri="{05A4C25C-085E-4340-85A3-A5531E510DB2}">
-      <thm15:themeFamily xmlns:thm15="http://schemas.microsoft.com/office/thememl/2012/main" xmlns="" name="Office Theme" id="{62F939B6-93AF-4DB8-9C6B-D6C7DFDC589F}" vid="{4A3C46E8-61CC-4603-A589-7422A47A8E4A}"/>
+      <thm15:themeFamily xmlns="" xmlns:thm15="http://schemas.microsoft.com/office/thememl/2012/main" name="Office Theme" id="{62F939B6-93AF-4DB8-9C6B-D6C7DFDC589F}" vid="{4A3C46E8-61CC-4603-A589-7422A47A8E4A}"/>
     </a:ext>
   </a:extLst>
 </a:theme>
